--- a/Updated - Business Model Canvas, MGT 709 Fall 2025, Kenneth Larot Yamat.pptx
+++ b/Updated - Business Model Canvas, MGT 709 Fall 2025, Kenneth Larot Yamat.pptx
@@ -5,12 +5,13 @@
     <p:sldMasterId id="2147483659" r:id="rId1"/>
   </p:sldMasterIdLst>
   <p:notesMasterIdLst>
-    <p:notesMasterId r:id="rId5"/>
+    <p:notesMasterId r:id="rId6"/>
   </p:notesMasterIdLst>
   <p:sldIdLst>
     <p:sldId id="256" r:id="rId2"/>
     <p:sldId id="257" r:id="rId3"/>
-    <p:sldId id="258" r:id="rId4"/>
+    <p:sldId id="259" r:id="rId4"/>
+    <p:sldId id="258" r:id="rId5"/>
   </p:sldIdLst>
   <p:sldSz cx="9144000" cy="5143500" type="screen16x9"/>
   <p:notesSz cx="6858000" cy="9144000"/>
@@ -8561,6 +8562,104 @@
   <p:cSld>
     <p:spTree>
       <p:nvGrpSpPr>
+        <p:cNvPr id="1" name=""/>
+        <p:cNvGrpSpPr/>
+        <p:nvPr/>
+      </p:nvGrpSpPr>
+      <p:grpSpPr>
+        <a:xfrm>
+          <a:off x="0" y="0"/>
+          <a:ext cx="0" cy="0"/>
+          <a:chOff x="0" y="0"/>
+          <a:chExt cx="0" cy="0"/>
+        </a:xfrm>
+      </p:grpSpPr>
+      <p:sp>
+        <p:nvSpPr>
+          <p:cNvPr id="2" name="TextBox 1">
+            <a:extLst>
+              <a:ext uri="{FF2B5EF4-FFF2-40B4-BE49-F238E27FC236}">
+                <a16:creationId xmlns:a16="http://schemas.microsoft.com/office/drawing/2014/main" id="{F8D2F0DE-199B-2D64-C3FF-C69ACB979BD4}"/>
+              </a:ext>
+            </a:extLst>
+          </p:cNvPr>
+          <p:cNvSpPr txBox="1"/>
+          <p:nvPr/>
+        </p:nvSpPr>
+        <p:spPr>
+          <a:xfrm>
+            <a:off x="789709" y="734291"/>
+            <a:ext cx="3387436" cy="2893100"/>
+          </a:xfrm>
+          <a:prstGeom prst="rect">
+            <a:avLst/>
+          </a:prstGeom>
+          <a:noFill/>
+        </p:spPr>
+        <p:txBody>
+          <a:bodyPr wrap="square" rtlCol="0">
+            <a:spAutoFit/>
+          </a:bodyPr>
+          <a:lstStyle/>
+          <a:p>
+            <a:r>
+              <a:rPr lang="en-US" dirty="0"/>
+              <a:t>Cost to acquire</a:t>
+            </a:r>
+          </a:p>
+          <a:p>
+            <a:endParaRPr lang="en-US" dirty="0"/>
+          </a:p>
+          <a:p>
+            <a:r>
+              <a:rPr lang="en-US" dirty="0"/>
+              <a:t>Potentially very high – customers will require certification of existing manufacturing processes ISO Certification</a:t>
+            </a:r>
+          </a:p>
+          <a:p>
+            <a:endParaRPr lang="en-US" dirty="0"/>
+          </a:p>
+          <a:p>
+            <a:r>
+              <a:rPr lang="en-US" dirty="0"/>
+              <a:t>Will require large amounts of material for</a:t>
+            </a:r>
+          </a:p>
+          <a:p>
+            <a:r>
+              <a:rPr lang="en-US" dirty="0"/>
+              <a:t>Extensive testing</a:t>
+            </a:r>
+          </a:p>
+          <a:p>
+            <a:endParaRPr lang="en-US" dirty="0"/>
+          </a:p>
+          <a:p>
+            <a:r>
+              <a:rPr lang="en-US" dirty="0"/>
+              <a:t>Once an agreement is made – downstream partners will need to agree to the supplier agreement as well</a:t>
+            </a:r>
+          </a:p>
+        </p:txBody>
+      </p:sp>
+    </p:spTree>
+    <p:extLst>
+      <p:ext uri="{BB962C8B-B14F-4D97-AF65-F5344CB8AC3E}">
+        <p14:creationId xmlns:p14="http://schemas.microsoft.com/office/powerpoint/2010/main" val="2226792110"/>
+      </p:ext>
+    </p:extLst>
+  </p:cSld>
+  <p:clrMapOvr>
+    <a:masterClrMapping/>
+  </p:clrMapOvr>
+</p:sld>
+</file>
+
+<file path=ppt/slides/slide4.xml><?xml version="1.0" encoding="utf-8"?>
+<p:sld xmlns:a="http://schemas.openxmlformats.org/drawingml/2006/main" xmlns:r="http://schemas.openxmlformats.org/officeDocument/2006/relationships" xmlns:p="http://schemas.openxmlformats.org/presentationml/2006/main">
+  <p:cSld>
+    <p:spTree>
+      <p:nvGrpSpPr>
         <p:cNvPr id="1" name="Shape 73"/>
         <p:cNvGrpSpPr/>
         <p:nvPr/>

--- a/Updated - Business Model Canvas, MGT 709 Fall 2025, Kenneth Larot Yamat.pptx
+++ b/Updated - Business Model Canvas, MGT 709 Fall 2025, Kenneth Larot Yamat.pptx
@@ -5,13 +5,14 @@
     <p:sldMasterId id="2147483659" r:id="rId1"/>
   </p:sldMasterIdLst>
   <p:notesMasterIdLst>
-    <p:notesMasterId r:id="rId6"/>
+    <p:notesMasterId r:id="rId7"/>
   </p:notesMasterIdLst>
   <p:sldIdLst>
     <p:sldId id="256" r:id="rId2"/>
     <p:sldId id="257" r:id="rId3"/>
     <p:sldId id="259" r:id="rId4"/>
-    <p:sldId id="258" r:id="rId5"/>
+    <p:sldId id="260" r:id="rId5"/>
+    <p:sldId id="258" r:id="rId6"/>
   </p:sldIdLst>
   <p:sldSz cx="9144000" cy="5143500" type="screen16x9"/>
   <p:notesSz cx="6858000" cy="9144000"/>
@@ -8660,6 +8661,89 @@
   <p:cSld>
     <p:spTree>
       <p:nvGrpSpPr>
+        <p:cNvPr id="1" name=""/>
+        <p:cNvGrpSpPr/>
+        <p:nvPr/>
+      </p:nvGrpSpPr>
+      <p:grpSpPr>
+        <a:xfrm>
+          <a:off x="0" y="0"/>
+          <a:ext cx="0" cy="0"/>
+          <a:chOff x="0" y="0"/>
+          <a:chExt cx="0" cy="0"/>
+        </a:xfrm>
+      </p:grpSpPr>
+      <p:sp>
+        <p:nvSpPr>
+          <p:cNvPr id="2" name="TextBox 1">
+            <a:extLst>
+              <a:ext uri="{FF2B5EF4-FFF2-40B4-BE49-F238E27FC236}">
+                <a16:creationId xmlns:a16="http://schemas.microsoft.com/office/drawing/2014/main" id="{3952A9E0-CDE9-DB99-ECDC-CABE24894493}"/>
+              </a:ext>
+            </a:extLst>
+          </p:cNvPr>
+          <p:cNvSpPr txBox="1"/>
+          <p:nvPr/>
+        </p:nvSpPr>
+        <p:spPr>
+          <a:xfrm>
+            <a:off x="1835727" y="637309"/>
+            <a:ext cx="4530437" cy="1384995"/>
+          </a:xfrm>
+          <a:prstGeom prst="rect">
+            <a:avLst/>
+          </a:prstGeom>
+          <a:noFill/>
+        </p:spPr>
+        <p:txBody>
+          <a:bodyPr wrap="square" rtlCol="0">
+            <a:spAutoFit/>
+          </a:bodyPr>
+          <a:lstStyle/>
+          <a:p>
+            <a:r>
+              <a:rPr lang="en-US" dirty="0"/>
+              <a:t>Channels</a:t>
+            </a:r>
+          </a:p>
+          <a:p>
+            <a:endParaRPr lang="en-US" dirty="0"/>
+          </a:p>
+          <a:p>
+            <a:r>
+              <a:rPr lang="en-US" dirty="0"/>
+              <a:t>Seeks a minimum of 3 suppliers for any given input</a:t>
+            </a:r>
+          </a:p>
+          <a:p>
+            <a:endParaRPr lang="en-US" dirty="0"/>
+          </a:p>
+          <a:p>
+            <a:r>
+              <a:rPr lang="en-US" dirty="0"/>
+              <a:t>Efforts are made in terms of order sizing to keep the channel open</a:t>
+            </a:r>
+          </a:p>
+        </p:txBody>
+      </p:sp>
+    </p:spTree>
+    <p:extLst>
+      <p:ext uri="{BB962C8B-B14F-4D97-AF65-F5344CB8AC3E}">
+        <p14:creationId xmlns:p14="http://schemas.microsoft.com/office/powerpoint/2010/main" val="2951938759"/>
+      </p:ext>
+    </p:extLst>
+  </p:cSld>
+  <p:clrMapOvr>
+    <a:masterClrMapping/>
+  </p:clrMapOvr>
+</p:sld>
+</file>
+
+<file path=ppt/slides/slide5.xml><?xml version="1.0" encoding="utf-8"?>
+<p:sld xmlns:a="http://schemas.openxmlformats.org/drawingml/2006/main" xmlns:r="http://schemas.openxmlformats.org/officeDocument/2006/relationships" xmlns:p="http://schemas.openxmlformats.org/presentationml/2006/main">
+  <p:cSld>
+    <p:spTree>
+      <p:nvGrpSpPr>
         <p:cNvPr id="1" name="Shape 73"/>
         <p:cNvGrpSpPr/>
         <p:nvPr/>
